--- a/Presentations/Presentation052019/Presentation052019.pptx
+++ b/Presentations/Presentation052019/Presentation052019.pptx
@@ -4962,12 +4962,12 @@
         </p:spPr>
         <p:txBody>
           <a:bodyPr vert="horz" lIns="91440" tIns="45720" rIns="91440" bIns="45720" rtlCol="0" anchor="b">
-            <a:normAutofit/>
+            <a:normAutofit fontScale="90000"/>
           </a:bodyPr>
           <a:lstStyle/>
           <a:p>
             <a:r>
-              <a:rPr lang="en-US" sz="4000" kern="1200">
+              <a:rPr lang="en-US" sz="4000" kern="1200" dirty="0">
                 <a:solidFill>
                   <a:srgbClr val="000000"/>
                 </a:solidFill>
@@ -4977,6 +4977,45 @@
               </a:rPr>
               <a:t>Trachea-Bronchi Radius Difference</a:t>
             </a:r>
+            <a:br>
+              <a:rPr lang="en-US" sz="4000" kern="1200" dirty="0">
+                <a:solidFill>
+                  <a:srgbClr val="000000"/>
+                </a:solidFill>
+                <a:latin typeface="+mj-lt"/>
+                <a:ea typeface="+mj-ea"/>
+                <a:cs typeface="+mj-cs"/>
+              </a:rPr>
+            </a:br>
+            <a:r>
+              <a:rPr lang="en-US" sz="4000" kern="1200" dirty="0">
+                <a:solidFill>
+                  <a:srgbClr val="000000"/>
+                </a:solidFill>
+                <a:latin typeface="+mj-lt"/>
+                <a:ea typeface="+mj-ea"/>
+                <a:cs typeface="+mj-cs"/>
+              </a:rPr>
+              <a:t>Change to Ratio</a:t>
+            </a:r>
+            <a:br>
+              <a:rPr lang="en-US" sz="4000" kern="1200" dirty="0">
+                <a:solidFill>
+                  <a:srgbClr val="000000"/>
+                </a:solidFill>
+                <a:latin typeface="+mj-lt"/>
+                <a:ea typeface="+mj-ea"/>
+                <a:cs typeface="+mj-cs"/>
+              </a:rPr>
+            </a:br>
+            <a:endParaRPr lang="en-US" sz="4000" kern="1200" dirty="0">
+              <a:solidFill>
+                <a:srgbClr val="000000"/>
+              </a:solidFill>
+              <a:latin typeface="+mj-lt"/>
+              <a:ea typeface="+mj-ea"/>
+              <a:cs typeface="+mj-cs"/>
+            </a:endParaRPr>
           </a:p>
         </p:txBody>
       </p:sp>
